--- a/src/assets/generated/Microcredencial_Plantilla.pptx
+++ b/src/assets/generated/Microcredencial_Plantilla.pptx
@@ -1,26 +1,22 @@
 
 <file path=ppt/presentation.xml><?xml version="1.0" encoding="utf-8"?>
-<p:presentation xmlns:a="http://schemas.openxmlformats.org/drawingml/2006/main" xmlns:r="http://schemas.openxmlformats.org/officeDocument/2006/relationships" xmlns:p="http://schemas.openxmlformats.org/presentationml/2006/main" saveSubsetFonts="1" embedTrueTypeFonts="true">
+<p:presentation xmlns:a="http://schemas.openxmlformats.org/drawingml/2006/main" xmlns:r="http://schemas.openxmlformats.org/officeDocument/2006/relationships" xmlns:p="http://schemas.openxmlformats.org/presentationml/2006/main" embedTrueTypeFonts="1" saveSubsetFonts="1">
   <p:sldMasterIdLst>
     <p:sldMasterId id="2147483648" r:id="rId1"/>
   </p:sldMasterIdLst>
   <p:sldIdLst>
-    <p:sldId id="256" r:id="rId6"/>
+    <p:sldId id="256" r:id="rId2"/>
   </p:sldIdLst>
   <p:sldSz cx="10693400" cy="7556500"/>
   <p:notesSz cx="6858000" cy="9144000"/>
   <p:embeddedFontLst>
     <p:embeddedFont>
-      <p:font typeface="Montnapha Bold" charset="1" panose="00000000000000000000"/>
-      <p:regular r:id="rId7"/>
+      <p:font typeface="Aptos ExtraBold" panose="020B0004020202020204" pitchFamily="34" charset="0"/>
+      <p:bold r:id="rId3"/>
     </p:embeddedFont>
     <p:embeddedFont>
-      <p:font typeface="Asangha" charset="1" panose="00000000000000000000"/>
-      <p:regular r:id="rId8"/>
-    </p:embeddedFont>
-    <p:embeddedFont>
-      <p:font typeface="Asangha Bold" charset="1" panose="00000000000000000000"/>
-      <p:regular r:id="rId9"/>
+      <p:font typeface="Asangha" panose="020B0604020202020204" charset="-34"/>
+      <p:regular r:id="rId4"/>
     </p:embeddedFont>
   </p:embeddedFontLst>
   <p:defaultTextStyle>
@@ -118,6 +114,22 @@
       </a:defRPr>
     </a:lvl9pPr>
   </p:defaultTextStyle>
+  <p:extLst>
+    <p:ext uri="{EFAFB233-063F-42B5-8137-9DF3F51BA10A}">
+      <p15:sldGuideLst xmlns:p15="http://schemas.microsoft.com/office/powerpoint/2012/main">
+        <p15:guide id="1" orient="horz" pos="2160">
+          <p15:clr>
+            <a:srgbClr val="A4A3A4"/>
+          </p15:clr>
+        </p15:guide>
+        <p15:guide id="2" pos="2880">
+          <p15:clr>
+            <a:srgbClr val="A4A3A4"/>
+          </p15:clr>
+        </p15:guide>
+      </p15:sldGuideLst>
+    </p:ext>
+  </p:extLst>
 </p:presentation>
 </file>
 
@@ -159,10 +171,9 @@
           <a:lstStyle/>
           <a:p>
             <a:r>
-              <a:rPr lang="en-US" smtClean="0"/>
+              <a:rPr lang="en-US"/>
               <a:t>Click to edit Master title style</a:t>
             </a:r>
-            <a:endParaRPr lang="en-US"/>
           </a:p>
         </p:txBody>
       </p:sp>
@@ -278,10 +289,9 @@
           </a:lstStyle>
           <a:p>
             <a:r>
-              <a:rPr lang="en-US" smtClean="0"/>
+              <a:rPr lang="en-US"/>
               <a:t>Click to edit Master subtitle style</a:t>
             </a:r>
-            <a:endParaRPr lang="en-US"/>
           </a:p>
         </p:txBody>
       </p:sp>
@@ -303,7 +313,7 @@
             <a:fld id="{1D8BD707-D9CF-40AE-B4C6-C98DA3205C09}" type="datetimeFigureOut">
               <a:rPr lang="en-US" smtClean="0"/>
               <a:pPr/>
-              <a:t>8/1/2011</a:t>
+              <a:t>5/22/2025</a:t>
             </a:fld>
             <a:endParaRPr lang="en-US"/>
           </a:p>
@@ -346,7 +356,7 @@
             <a:fld id="{B6F15528-21DE-4FAA-801E-634DDDAF4B2B}" type="slidenum">
               <a:rPr lang="en-US" smtClean="0"/>
               <a:pPr/>
-              <a:t>‹#›</a:t>
+              <a:t>‹Nº›</a:t>
             </a:fld>
             <a:endParaRPr lang="en-US"/>
           </a:p>
@@ -393,10 +403,9 @@
           <a:lstStyle/>
           <a:p>
             <a:r>
-              <a:rPr lang="en-US" smtClean="0"/>
+              <a:rPr lang="en-US"/>
               <a:t>Click to edit Master title style</a:t>
             </a:r>
-            <a:endParaRPr lang="en-US"/>
           </a:p>
         </p:txBody>
       </p:sp>
@@ -417,38 +426,37 @@
           <a:p>
             <a:pPr lvl="0"/>
             <a:r>
-              <a:rPr lang="en-US" smtClean="0"/>
+              <a:rPr lang="en-US"/>
               <a:t>Click to edit Master text styles</a:t>
             </a:r>
           </a:p>
           <a:p>
             <a:pPr lvl="1"/>
             <a:r>
-              <a:rPr lang="en-US" smtClean="0"/>
+              <a:rPr lang="en-US"/>
               <a:t>Second level</a:t>
             </a:r>
           </a:p>
           <a:p>
             <a:pPr lvl="2"/>
             <a:r>
-              <a:rPr lang="en-US" smtClean="0"/>
+              <a:rPr lang="en-US"/>
               <a:t>Third level</a:t>
             </a:r>
           </a:p>
           <a:p>
             <a:pPr lvl="3"/>
             <a:r>
-              <a:rPr lang="en-US" smtClean="0"/>
+              <a:rPr lang="en-US"/>
               <a:t>Fourth level</a:t>
             </a:r>
           </a:p>
           <a:p>
             <a:pPr lvl="4"/>
             <a:r>
-              <a:rPr lang="en-US" smtClean="0"/>
+              <a:rPr lang="en-US"/>
               <a:t>Fifth level</a:t>
             </a:r>
-            <a:endParaRPr lang="en-US"/>
           </a:p>
         </p:txBody>
       </p:sp>
@@ -470,7 +478,7 @@
             <a:fld id="{1D8BD707-D9CF-40AE-B4C6-C98DA3205C09}" type="datetimeFigureOut">
               <a:rPr lang="en-US" smtClean="0"/>
               <a:pPr/>
-              <a:t>8/1/2011</a:t>
+              <a:t>5/22/2025</a:t>
             </a:fld>
             <a:endParaRPr lang="en-US"/>
           </a:p>
@@ -513,7 +521,7 @@
             <a:fld id="{B6F15528-21DE-4FAA-801E-634DDDAF4B2B}" type="slidenum">
               <a:rPr lang="en-US" smtClean="0"/>
               <a:pPr/>
-              <a:t>‹#›</a:t>
+              <a:t>‹Nº›</a:t>
             </a:fld>
             <a:endParaRPr lang="en-US"/>
           </a:p>
@@ -565,10 +573,9 @@
           <a:lstStyle/>
           <a:p>
             <a:r>
-              <a:rPr lang="en-US" smtClean="0"/>
+              <a:rPr lang="en-US"/>
               <a:t>Click to edit Master title style</a:t>
             </a:r>
-            <a:endParaRPr lang="en-US"/>
           </a:p>
         </p:txBody>
       </p:sp>
@@ -594,38 +601,37 @@
           <a:p>
             <a:pPr lvl="0"/>
             <a:r>
-              <a:rPr lang="en-US" smtClean="0"/>
+              <a:rPr lang="en-US"/>
               <a:t>Click to edit Master text styles</a:t>
             </a:r>
           </a:p>
           <a:p>
             <a:pPr lvl="1"/>
             <a:r>
-              <a:rPr lang="en-US" smtClean="0"/>
+              <a:rPr lang="en-US"/>
               <a:t>Second level</a:t>
             </a:r>
           </a:p>
           <a:p>
             <a:pPr lvl="2"/>
             <a:r>
-              <a:rPr lang="en-US" smtClean="0"/>
+              <a:rPr lang="en-US"/>
               <a:t>Third level</a:t>
             </a:r>
           </a:p>
           <a:p>
             <a:pPr lvl="3"/>
             <a:r>
-              <a:rPr lang="en-US" smtClean="0"/>
+              <a:rPr lang="en-US"/>
               <a:t>Fourth level</a:t>
             </a:r>
           </a:p>
           <a:p>
             <a:pPr lvl="4"/>
             <a:r>
-              <a:rPr lang="en-US" smtClean="0"/>
+              <a:rPr lang="en-US"/>
               <a:t>Fifth level</a:t>
             </a:r>
-            <a:endParaRPr lang="en-US"/>
           </a:p>
         </p:txBody>
       </p:sp>
@@ -647,7 +653,7 @@
             <a:fld id="{1D8BD707-D9CF-40AE-B4C6-C98DA3205C09}" type="datetimeFigureOut">
               <a:rPr lang="en-US" smtClean="0"/>
               <a:pPr/>
-              <a:t>8/1/2011</a:t>
+              <a:t>5/22/2025</a:t>
             </a:fld>
             <a:endParaRPr lang="en-US"/>
           </a:p>
@@ -690,7 +696,7 @@
             <a:fld id="{B6F15528-21DE-4FAA-801E-634DDDAF4B2B}" type="slidenum">
               <a:rPr lang="en-US" smtClean="0"/>
               <a:pPr/>
-              <a:t>‹#›</a:t>
+              <a:t>‹Nº›</a:t>
             </a:fld>
             <a:endParaRPr lang="en-US"/>
           </a:p>
@@ -737,10 +743,9 @@
           <a:lstStyle/>
           <a:p>
             <a:r>
-              <a:rPr lang="en-US" smtClean="0"/>
+              <a:rPr lang="en-US"/>
               <a:t>Click to edit Master title style</a:t>
             </a:r>
-            <a:endParaRPr lang="en-US"/>
           </a:p>
         </p:txBody>
       </p:sp>
@@ -761,38 +766,37 @@
           <a:p>
             <a:pPr lvl="0"/>
             <a:r>
-              <a:rPr lang="en-US" smtClean="0"/>
+              <a:rPr lang="en-US"/>
               <a:t>Click to edit Master text styles</a:t>
             </a:r>
           </a:p>
           <a:p>
             <a:pPr lvl="1"/>
             <a:r>
-              <a:rPr lang="en-US" smtClean="0"/>
+              <a:rPr lang="en-US"/>
               <a:t>Second level</a:t>
             </a:r>
           </a:p>
           <a:p>
             <a:pPr lvl="2"/>
             <a:r>
-              <a:rPr lang="en-US" smtClean="0"/>
+              <a:rPr lang="en-US"/>
               <a:t>Third level</a:t>
             </a:r>
           </a:p>
           <a:p>
             <a:pPr lvl="3"/>
             <a:r>
-              <a:rPr lang="en-US" smtClean="0"/>
+              <a:rPr lang="en-US"/>
               <a:t>Fourth level</a:t>
             </a:r>
           </a:p>
           <a:p>
             <a:pPr lvl="4"/>
             <a:r>
-              <a:rPr lang="en-US" smtClean="0"/>
+              <a:rPr lang="en-US"/>
               <a:t>Fifth level</a:t>
             </a:r>
-            <a:endParaRPr lang="en-US"/>
           </a:p>
         </p:txBody>
       </p:sp>
@@ -814,7 +818,7 @@
             <a:fld id="{1D8BD707-D9CF-40AE-B4C6-C98DA3205C09}" type="datetimeFigureOut">
               <a:rPr lang="en-US" smtClean="0"/>
               <a:pPr/>
-              <a:t>8/1/2011</a:t>
+              <a:t>5/22/2025</a:t>
             </a:fld>
             <a:endParaRPr lang="en-US"/>
           </a:p>
@@ -857,7 +861,7 @@
             <a:fld id="{B6F15528-21DE-4FAA-801E-634DDDAF4B2B}" type="slidenum">
               <a:rPr lang="en-US" smtClean="0"/>
               <a:pPr/>
-              <a:t>‹#›</a:t>
+              <a:t>‹Nº›</a:t>
             </a:fld>
             <a:endParaRPr lang="en-US"/>
           </a:p>
@@ -913,10 +917,9 @@
           </a:lstStyle>
           <a:p>
             <a:r>
-              <a:rPr lang="en-US" smtClean="0"/>
+              <a:rPr lang="en-US"/>
               <a:t>Click to edit Master title style</a:t>
             </a:r>
-            <a:endParaRPr lang="en-US"/>
           </a:p>
         </p:txBody>
       </p:sp>
@@ -1033,7 +1036,7 @@
           <a:p>
             <a:pPr lvl="0"/>
             <a:r>
-              <a:rPr lang="en-US" smtClean="0"/>
+              <a:rPr lang="en-US"/>
               <a:t>Click to edit Master text styles</a:t>
             </a:r>
           </a:p>
@@ -1057,7 +1060,7 @@
             <a:fld id="{1D8BD707-D9CF-40AE-B4C6-C98DA3205C09}" type="datetimeFigureOut">
               <a:rPr lang="en-US" smtClean="0"/>
               <a:pPr/>
-              <a:t>8/1/2011</a:t>
+              <a:t>5/22/2025</a:t>
             </a:fld>
             <a:endParaRPr lang="en-US"/>
           </a:p>
@@ -1100,7 +1103,7 @@
             <a:fld id="{B6F15528-21DE-4FAA-801E-634DDDAF4B2B}" type="slidenum">
               <a:rPr lang="en-US" smtClean="0"/>
               <a:pPr/>
-              <a:t>‹#›</a:t>
+              <a:t>‹Nº›</a:t>
             </a:fld>
             <a:endParaRPr lang="en-US"/>
           </a:p>
@@ -1147,10 +1150,9 @@
           <a:lstStyle/>
           <a:p>
             <a:r>
-              <a:rPr lang="en-US" smtClean="0"/>
+              <a:rPr lang="en-US"/>
               <a:t>Click to edit Master title style</a:t>
             </a:r>
-            <a:endParaRPr lang="en-US"/>
           </a:p>
         </p:txBody>
       </p:sp>
@@ -1204,38 +1206,37 @@
           <a:p>
             <a:pPr lvl="0"/>
             <a:r>
-              <a:rPr lang="en-US" smtClean="0"/>
+              <a:rPr lang="en-US"/>
               <a:t>Click to edit Master text styles</a:t>
             </a:r>
           </a:p>
           <a:p>
             <a:pPr lvl="1"/>
             <a:r>
-              <a:rPr lang="en-US" smtClean="0"/>
+              <a:rPr lang="en-US"/>
               <a:t>Second level</a:t>
             </a:r>
           </a:p>
           <a:p>
             <a:pPr lvl="2"/>
             <a:r>
-              <a:rPr lang="en-US" smtClean="0"/>
+              <a:rPr lang="en-US"/>
               <a:t>Third level</a:t>
             </a:r>
           </a:p>
           <a:p>
             <a:pPr lvl="3"/>
             <a:r>
-              <a:rPr lang="en-US" smtClean="0"/>
+              <a:rPr lang="en-US"/>
               <a:t>Fourth level</a:t>
             </a:r>
           </a:p>
           <a:p>
             <a:pPr lvl="4"/>
             <a:r>
-              <a:rPr lang="en-US" smtClean="0"/>
+              <a:rPr lang="en-US"/>
               <a:t>Fifth level</a:t>
             </a:r>
-            <a:endParaRPr lang="en-US"/>
           </a:p>
         </p:txBody>
       </p:sp>
@@ -1289,38 +1290,37 @@
           <a:p>
             <a:pPr lvl="0"/>
             <a:r>
-              <a:rPr lang="en-US" smtClean="0"/>
+              <a:rPr lang="en-US"/>
               <a:t>Click to edit Master text styles</a:t>
             </a:r>
           </a:p>
           <a:p>
             <a:pPr lvl="1"/>
             <a:r>
-              <a:rPr lang="en-US" smtClean="0"/>
+              <a:rPr lang="en-US"/>
               <a:t>Second level</a:t>
             </a:r>
           </a:p>
           <a:p>
             <a:pPr lvl="2"/>
             <a:r>
-              <a:rPr lang="en-US" smtClean="0"/>
+              <a:rPr lang="en-US"/>
               <a:t>Third level</a:t>
             </a:r>
           </a:p>
           <a:p>
             <a:pPr lvl="3"/>
             <a:r>
-              <a:rPr lang="en-US" smtClean="0"/>
+              <a:rPr lang="en-US"/>
               <a:t>Fourth level</a:t>
             </a:r>
           </a:p>
           <a:p>
             <a:pPr lvl="4"/>
             <a:r>
-              <a:rPr lang="en-US" smtClean="0"/>
+              <a:rPr lang="en-US"/>
               <a:t>Fifth level</a:t>
             </a:r>
-            <a:endParaRPr lang="en-US"/>
           </a:p>
         </p:txBody>
       </p:sp>
@@ -1342,7 +1342,7 @@
             <a:fld id="{1D8BD707-D9CF-40AE-B4C6-C98DA3205C09}" type="datetimeFigureOut">
               <a:rPr lang="en-US" smtClean="0"/>
               <a:pPr/>
-              <a:t>8/1/2011</a:t>
+              <a:t>5/22/2025</a:t>
             </a:fld>
             <a:endParaRPr lang="en-US"/>
           </a:p>
@@ -1385,7 +1385,7 @@
             <a:fld id="{B6F15528-21DE-4FAA-801E-634DDDAF4B2B}" type="slidenum">
               <a:rPr lang="en-US" smtClean="0"/>
               <a:pPr/>
-              <a:t>‹#›</a:t>
+              <a:t>‹Nº›</a:t>
             </a:fld>
             <a:endParaRPr lang="en-US"/>
           </a:p>
@@ -1436,10 +1436,9 @@
           </a:lstStyle>
           <a:p>
             <a:r>
-              <a:rPr lang="en-US" smtClean="0"/>
+              <a:rPr lang="en-US"/>
               <a:t>Click to edit Master title style</a:t>
             </a:r>
-            <a:endParaRPr lang="en-US"/>
           </a:p>
         </p:txBody>
       </p:sp>
@@ -1502,7 +1501,7 @@
           <a:p>
             <a:pPr lvl="0"/>
             <a:r>
-              <a:rPr lang="en-US" smtClean="0"/>
+              <a:rPr lang="en-US"/>
               <a:t>Click to edit Master text styles</a:t>
             </a:r>
           </a:p>
@@ -1558,38 +1557,37 @@
           <a:p>
             <a:pPr lvl="0"/>
             <a:r>
-              <a:rPr lang="en-US" smtClean="0"/>
+              <a:rPr lang="en-US"/>
               <a:t>Click to edit Master text styles</a:t>
             </a:r>
           </a:p>
           <a:p>
             <a:pPr lvl="1"/>
             <a:r>
-              <a:rPr lang="en-US" smtClean="0"/>
+              <a:rPr lang="en-US"/>
               <a:t>Second level</a:t>
             </a:r>
           </a:p>
           <a:p>
             <a:pPr lvl="2"/>
             <a:r>
-              <a:rPr lang="en-US" smtClean="0"/>
+              <a:rPr lang="en-US"/>
               <a:t>Third level</a:t>
             </a:r>
           </a:p>
           <a:p>
             <a:pPr lvl="3"/>
             <a:r>
-              <a:rPr lang="en-US" smtClean="0"/>
+              <a:rPr lang="en-US"/>
               <a:t>Fourth level</a:t>
             </a:r>
           </a:p>
           <a:p>
             <a:pPr lvl="4"/>
             <a:r>
-              <a:rPr lang="en-US" smtClean="0"/>
+              <a:rPr lang="en-US"/>
               <a:t>Fifth level</a:t>
             </a:r>
-            <a:endParaRPr lang="en-US"/>
           </a:p>
         </p:txBody>
       </p:sp>
@@ -1652,7 +1650,7 @@
           <a:p>
             <a:pPr lvl="0"/>
             <a:r>
-              <a:rPr lang="en-US" smtClean="0"/>
+              <a:rPr lang="en-US"/>
               <a:t>Click to edit Master text styles</a:t>
             </a:r>
           </a:p>
@@ -1708,38 +1706,37 @@
           <a:p>
             <a:pPr lvl="0"/>
             <a:r>
-              <a:rPr lang="en-US" smtClean="0"/>
+              <a:rPr lang="en-US"/>
               <a:t>Click to edit Master text styles</a:t>
             </a:r>
           </a:p>
           <a:p>
             <a:pPr lvl="1"/>
             <a:r>
-              <a:rPr lang="en-US" smtClean="0"/>
+              <a:rPr lang="en-US"/>
               <a:t>Second level</a:t>
             </a:r>
           </a:p>
           <a:p>
             <a:pPr lvl="2"/>
             <a:r>
-              <a:rPr lang="en-US" smtClean="0"/>
+              <a:rPr lang="en-US"/>
               <a:t>Third level</a:t>
             </a:r>
           </a:p>
           <a:p>
             <a:pPr lvl="3"/>
             <a:r>
-              <a:rPr lang="en-US" smtClean="0"/>
+              <a:rPr lang="en-US"/>
               <a:t>Fourth level</a:t>
             </a:r>
           </a:p>
           <a:p>
             <a:pPr lvl="4"/>
             <a:r>
-              <a:rPr lang="en-US" smtClean="0"/>
+              <a:rPr lang="en-US"/>
               <a:t>Fifth level</a:t>
             </a:r>
-            <a:endParaRPr lang="en-US"/>
           </a:p>
         </p:txBody>
       </p:sp>
@@ -1761,7 +1758,7 @@
             <a:fld id="{1D8BD707-D9CF-40AE-B4C6-C98DA3205C09}" type="datetimeFigureOut">
               <a:rPr lang="en-US" smtClean="0"/>
               <a:pPr/>
-              <a:t>8/1/2011</a:t>
+              <a:t>5/22/2025</a:t>
             </a:fld>
             <a:endParaRPr lang="en-US"/>
           </a:p>
@@ -1804,7 +1801,7 @@
             <a:fld id="{B6F15528-21DE-4FAA-801E-634DDDAF4B2B}" type="slidenum">
               <a:rPr lang="en-US" smtClean="0"/>
               <a:pPr/>
-              <a:t>‹#›</a:t>
+              <a:t>‹Nº›</a:t>
             </a:fld>
             <a:endParaRPr lang="en-US"/>
           </a:p>
@@ -1851,10 +1848,9 @@
           <a:lstStyle/>
           <a:p>
             <a:r>
-              <a:rPr lang="en-US" smtClean="0"/>
+              <a:rPr lang="en-US"/>
               <a:t>Click to edit Master title style</a:t>
             </a:r>
-            <a:endParaRPr lang="en-US"/>
           </a:p>
         </p:txBody>
       </p:sp>
@@ -1876,7 +1872,7 @@
             <a:fld id="{1D8BD707-D9CF-40AE-B4C6-C98DA3205C09}" type="datetimeFigureOut">
               <a:rPr lang="en-US" smtClean="0"/>
               <a:pPr/>
-              <a:t>8/1/2011</a:t>
+              <a:t>5/22/2025</a:t>
             </a:fld>
             <a:endParaRPr lang="en-US"/>
           </a:p>
@@ -1919,7 +1915,7 @@
             <a:fld id="{B6F15528-21DE-4FAA-801E-634DDDAF4B2B}" type="slidenum">
               <a:rPr lang="en-US" smtClean="0"/>
               <a:pPr/>
-              <a:t>‹#›</a:t>
+              <a:t>‹Nº›</a:t>
             </a:fld>
             <a:endParaRPr lang="en-US"/>
           </a:p>
@@ -1968,7 +1964,7 @@
             <a:fld id="{1D8BD707-D9CF-40AE-B4C6-C98DA3205C09}" type="datetimeFigureOut">
               <a:rPr lang="en-US" smtClean="0"/>
               <a:pPr/>
-              <a:t>8/1/2011</a:t>
+              <a:t>5/22/2025</a:t>
             </a:fld>
             <a:endParaRPr lang="en-US"/>
           </a:p>
@@ -2011,7 +2007,7 @@
             <a:fld id="{B6F15528-21DE-4FAA-801E-634DDDAF4B2B}" type="slidenum">
               <a:rPr lang="en-US" smtClean="0"/>
               <a:pPr/>
-              <a:t>‹#›</a:t>
+              <a:t>‹Nº›</a:t>
             </a:fld>
             <a:endParaRPr lang="en-US"/>
           </a:p>
@@ -2067,10 +2063,9 @@
           </a:lstStyle>
           <a:p>
             <a:r>
-              <a:rPr lang="en-US" smtClean="0"/>
+              <a:rPr lang="en-US"/>
               <a:t>Click to edit Master title style</a:t>
             </a:r>
-            <a:endParaRPr lang="en-US"/>
           </a:p>
         </p:txBody>
       </p:sp>
@@ -2124,38 +2119,37 @@
           <a:p>
             <a:pPr lvl="0"/>
             <a:r>
-              <a:rPr lang="en-US" smtClean="0"/>
+              <a:rPr lang="en-US"/>
               <a:t>Click to edit Master text styles</a:t>
             </a:r>
           </a:p>
           <a:p>
             <a:pPr lvl="1"/>
             <a:r>
-              <a:rPr lang="en-US" smtClean="0"/>
+              <a:rPr lang="en-US"/>
               <a:t>Second level</a:t>
             </a:r>
           </a:p>
           <a:p>
             <a:pPr lvl="2"/>
             <a:r>
-              <a:rPr lang="en-US" smtClean="0"/>
+              <a:rPr lang="en-US"/>
               <a:t>Third level</a:t>
             </a:r>
           </a:p>
           <a:p>
             <a:pPr lvl="3"/>
             <a:r>
-              <a:rPr lang="en-US" smtClean="0"/>
+              <a:rPr lang="en-US"/>
               <a:t>Fourth level</a:t>
             </a:r>
           </a:p>
           <a:p>
             <a:pPr lvl="4"/>
             <a:r>
-              <a:rPr lang="en-US" smtClean="0"/>
+              <a:rPr lang="en-US"/>
               <a:t>Fifth level</a:t>
             </a:r>
-            <a:endParaRPr lang="en-US"/>
           </a:p>
         </p:txBody>
       </p:sp>
@@ -2218,7 +2212,7 @@
           <a:p>
             <a:pPr lvl="0"/>
             <a:r>
-              <a:rPr lang="en-US" smtClean="0"/>
+              <a:rPr lang="en-US"/>
               <a:t>Click to edit Master text styles</a:t>
             </a:r>
           </a:p>
@@ -2242,7 +2236,7 @@
             <a:fld id="{1D8BD707-D9CF-40AE-B4C6-C98DA3205C09}" type="datetimeFigureOut">
               <a:rPr lang="en-US" smtClean="0"/>
               <a:pPr/>
-              <a:t>8/1/2011</a:t>
+              <a:t>5/22/2025</a:t>
             </a:fld>
             <a:endParaRPr lang="en-US"/>
           </a:p>
@@ -2285,7 +2279,7 @@
             <a:fld id="{B6F15528-21DE-4FAA-801E-634DDDAF4B2B}" type="slidenum">
               <a:rPr lang="en-US" smtClean="0"/>
               <a:pPr/>
-              <a:t>‹#›</a:t>
+              <a:t>‹Nº›</a:t>
             </a:fld>
             <a:endParaRPr lang="en-US"/>
           </a:p>
@@ -2341,10 +2335,9 @@
           </a:lstStyle>
           <a:p>
             <a:r>
-              <a:rPr lang="en-US" smtClean="0"/>
+              <a:rPr lang="en-US"/>
               <a:t>Click to edit Master title style</a:t>
             </a:r>
-            <a:endParaRPr lang="en-US"/>
           </a:p>
         </p:txBody>
       </p:sp>
@@ -2468,7 +2461,7 @@
           <a:p>
             <a:pPr lvl="0"/>
             <a:r>
-              <a:rPr lang="en-US" smtClean="0"/>
+              <a:rPr lang="en-US"/>
               <a:t>Click to edit Master text styles</a:t>
             </a:r>
           </a:p>
@@ -2492,7 +2485,7 @@
             <a:fld id="{1D8BD707-D9CF-40AE-B4C6-C98DA3205C09}" type="datetimeFigureOut">
               <a:rPr lang="en-US" smtClean="0"/>
               <a:pPr/>
-              <a:t>8/1/2011</a:t>
+              <a:t>5/22/2025</a:t>
             </a:fld>
             <a:endParaRPr lang="en-US"/>
           </a:p>
@@ -2535,7 +2528,7 @@
             <a:fld id="{B6F15528-21DE-4FAA-801E-634DDDAF4B2B}" type="slidenum">
               <a:rPr lang="en-US" smtClean="0"/>
               <a:pPr/>
-              <a:t>‹#›</a:t>
+              <a:t>‹Nº›</a:t>
             </a:fld>
             <a:endParaRPr lang="en-US"/>
           </a:p>
@@ -2597,10 +2590,9 @@
           <a:lstStyle/>
           <a:p>
             <a:r>
-              <a:rPr lang="en-US" smtClean="0"/>
+              <a:rPr lang="en-US"/>
               <a:t>Click to edit Master title style</a:t>
             </a:r>
-            <a:endParaRPr lang="en-US"/>
           </a:p>
         </p:txBody>
       </p:sp>
@@ -2631,38 +2623,37 @@
           <a:p>
             <a:pPr lvl="0"/>
             <a:r>
-              <a:rPr lang="en-US" smtClean="0"/>
+              <a:rPr lang="en-US"/>
               <a:t>Click to edit Master text styles</a:t>
             </a:r>
           </a:p>
           <a:p>
             <a:pPr lvl="1"/>
             <a:r>
-              <a:rPr lang="en-US" smtClean="0"/>
+              <a:rPr lang="en-US"/>
               <a:t>Second level</a:t>
             </a:r>
           </a:p>
           <a:p>
             <a:pPr lvl="2"/>
             <a:r>
-              <a:rPr lang="en-US" smtClean="0"/>
+              <a:rPr lang="en-US"/>
               <a:t>Third level</a:t>
             </a:r>
           </a:p>
           <a:p>
             <a:pPr lvl="3"/>
             <a:r>
-              <a:rPr lang="en-US" smtClean="0"/>
+              <a:rPr lang="en-US"/>
               <a:t>Fourth level</a:t>
             </a:r>
           </a:p>
           <a:p>
             <a:pPr lvl="4"/>
             <a:r>
-              <a:rPr lang="en-US" smtClean="0"/>
+              <a:rPr lang="en-US"/>
               <a:t>Fifth level</a:t>
             </a:r>
-            <a:endParaRPr lang="en-US"/>
           </a:p>
         </p:txBody>
       </p:sp>
@@ -2702,7 +2693,7 @@
             <a:fld id="{1D8BD707-D9CF-40AE-B4C6-C98DA3205C09}" type="datetimeFigureOut">
               <a:rPr lang="en-US" smtClean="0"/>
               <a:pPr/>
-              <a:t>8/1/2011</a:t>
+              <a:t>5/22/2025</a:t>
             </a:fld>
             <a:endParaRPr lang="en-US"/>
           </a:p>
@@ -2781,7 +2772,7 @@
             <a:fld id="{B6F15528-21DE-4FAA-801E-634DDDAF4B2B}" type="slidenum">
               <a:rPr lang="en-US" smtClean="0"/>
               <a:pPr/>
-              <a:t>‹#›</a:t>
+              <a:t>‹Nº›</a:t>
             </a:fld>
             <a:endParaRPr lang="en-US"/>
           </a:p>
@@ -3057,7 +3048,7 @@
 </file>
 
 <file path=ppt/slides/slide1.xml><?xml version="1.0" encoding="utf-8"?>
-<p:sld xmlns:p="http://schemas.openxmlformats.org/presentationml/2006/main" xmlns:a="http://schemas.openxmlformats.org/drawingml/2006/main" xmlns:r="http://schemas.openxmlformats.org/officeDocument/2006/relationships">
+<p:sld xmlns:a="http://schemas.openxmlformats.org/drawingml/2006/main" xmlns:r="http://schemas.openxmlformats.org/officeDocument/2006/relationships" xmlns:p="http://schemas.openxmlformats.org/presentationml/2006/main">
   <p:cSld>
     <p:spTree>
       <p:nvGrpSpPr>
@@ -3075,12 +3066,12 @@
       </p:grpSpPr>
       <p:sp>
         <p:nvSpPr>
-          <p:cNvPr name="Freeform 2" id="2"/>
+          <p:cNvPr id="2" name="Freeform 2"/>
           <p:cNvSpPr/>
           <p:nvPr/>
         </p:nvSpPr>
         <p:spPr>
-          <a:xfrm flipH="false" flipV="false" rot="0">
+          <a:xfrm>
             <a:off x="-108000" y="-108000"/>
             <a:ext cx="5481591" cy="4136110"/>
           </a:xfrm>
@@ -3089,9 +3080,9 @@
             <a:gdLst/>
             <a:ahLst/>
             <a:cxnLst/>
-            <a:rect r="r" b="b" t="t" l="l"/>
+            <a:rect l="l" t="t" r="r" b="b"/>
             <a:pathLst>
-              <a:path h="4136110" w="5481591">
+              <a:path w="5481591" h="4136110">
                 <a:moveTo>
                   <a:pt x="0" y="0"/>
                 </a:moveTo>
@@ -3120,19 +3111,26 @@
               </a:extLst>
             </a:blip>
             <a:stretch>
-              <a:fillRect l="0" t="0" r="0" b="0"/>
+              <a:fillRect/>
             </a:stretch>
           </a:blipFill>
         </p:spPr>
-      </p:sp>
-      <p:sp>
-        <p:nvSpPr>
-          <p:cNvPr name="Freeform 3" id="3"/>
+        <p:txBody>
+          <a:bodyPr/>
+          <a:lstStyle/>
+          <a:p>
+            <a:endParaRPr lang="es-HN"/>
+          </a:p>
+        </p:txBody>
+      </p:sp>
+      <p:sp>
+        <p:nvSpPr>
+          <p:cNvPr id="3" name="Freeform 3"/>
           <p:cNvSpPr/>
           <p:nvPr/>
         </p:nvSpPr>
         <p:spPr>
-          <a:xfrm flipH="true" flipV="true" rot="0">
+          <a:xfrm flipH="1" flipV="1">
             <a:off x="5318409" y="3531890"/>
             <a:ext cx="5481591" cy="4136110"/>
           </a:xfrm>
@@ -3141,9 +3139,9 @@
             <a:gdLst/>
             <a:ahLst/>
             <a:cxnLst/>
-            <a:rect r="r" b="b" t="t" l="l"/>
+            <a:rect l="l" t="t" r="r" b="b"/>
             <a:pathLst>
-              <a:path h="4136110" w="5481591">
+              <a:path w="5481591" h="4136110">
                 <a:moveTo>
                   <a:pt x="5481591" y="4136110"/>
                 </a:moveTo>
@@ -3172,19 +3170,26 @@
               </a:extLst>
             </a:blip>
             <a:stretch>
-              <a:fillRect l="0" t="0" r="0" b="0"/>
+              <a:fillRect/>
             </a:stretch>
           </a:blipFill>
         </p:spPr>
+        <p:txBody>
+          <a:bodyPr/>
+          <a:lstStyle/>
+          <a:p>
+            <a:endParaRPr lang="es-HN"/>
+          </a:p>
+        </p:txBody>
       </p:sp>
       <p:grpSp>
         <p:nvGrpSpPr>
-          <p:cNvPr name="Group 4" id="4"/>
+          <p:cNvPr id="4" name="Group 4"/>
           <p:cNvGrpSpPr/>
           <p:nvPr/>
         </p:nvGrpSpPr>
         <p:grpSpPr>
-          <a:xfrm rot="0">
+          <a:xfrm>
             <a:off x="174409" y="128142"/>
             <a:ext cx="10324787" cy="7303715"/>
             <a:chOff x="0" y="0"/>
@@ -3193,12 +3198,12 @@
         </p:grpSpPr>
         <p:sp>
           <p:nvSpPr>
-            <p:cNvPr name="Freeform 5" id="5"/>
+            <p:cNvPr id="5" name="Freeform 5"/>
             <p:cNvSpPr/>
             <p:nvPr/>
           </p:nvSpPr>
           <p:spPr>
-            <a:xfrm flipH="false" flipV="false" rot="0">
+            <a:xfrm>
               <a:off x="0" y="0"/>
               <a:ext cx="3700171" cy="2617487"/>
             </a:xfrm>
@@ -3207,9 +3212,9 @@
               <a:gdLst/>
               <a:ahLst/>
               <a:cxnLst/>
-              <a:rect r="r" b="b" t="t" l="l"/>
+              <a:rect l="l" t="t" r="r" b="b"/>
               <a:pathLst>
-                <a:path h="2617487" w="3700171">
+                <a:path w="3700171" h="2617487">
                   <a:moveTo>
                     <a:pt x="14997" y="0"/>
                   </a:moveTo>
@@ -3255,11 +3260,18 @@
               </a:srgbClr>
             </a:solidFill>
           </p:spPr>
+          <p:txBody>
+            <a:bodyPr/>
+            <a:lstStyle/>
+            <a:p>
+              <a:endParaRPr lang="es-HN"/>
+            </a:p>
+          </p:txBody>
         </p:sp>
         <p:sp>
           <p:nvSpPr>
-            <p:cNvPr name="TextBox 6" id="6"/>
-            <p:cNvSpPr txBox="true"/>
+            <p:cNvPr id="6" name="TextBox 6"/>
+            <p:cNvSpPr txBox="1"/>
             <p:nvPr/>
           </p:nvSpPr>
           <p:spPr>
@@ -3272,7 +3284,7 @@
             </a:prstGeom>
           </p:spPr>
           <p:txBody>
-            <a:bodyPr anchor="ctr" rtlCol="false" tIns="50800" lIns="50800" bIns="50800" rIns="50800"/>
+            <a:bodyPr lIns="50800" tIns="50800" rIns="50800" bIns="50800" rtlCol="0" anchor="ctr"/>
             <a:lstStyle/>
             <a:p>
               <a:pPr algn="ctr">
@@ -3280,18 +3292,19 @@
                   <a:spcPts val="1960"/>
                 </a:lnSpc>
               </a:pPr>
+              <a:endParaRPr/>
             </a:p>
           </p:txBody>
         </p:sp>
       </p:grpSp>
       <p:grpSp>
         <p:nvGrpSpPr>
-          <p:cNvPr name="Group 7" id="7"/>
+          <p:cNvPr id="7" name="Group 7"/>
           <p:cNvGrpSpPr/>
           <p:nvPr/>
         </p:nvGrpSpPr>
         <p:grpSpPr>
-          <a:xfrm rot="0">
+          <a:xfrm>
             <a:off x="373655" y="336585"/>
             <a:ext cx="9944691" cy="6960408"/>
             <a:chOff x="0" y="0"/>
@@ -3300,12 +3313,12 @@
         </p:grpSpPr>
         <p:sp>
           <p:nvSpPr>
-            <p:cNvPr name="Freeform 8" id="8"/>
+            <p:cNvPr id="8" name="Freeform 8"/>
             <p:cNvSpPr/>
             <p:nvPr/>
           </p:nvSpPr>
           <p:spPr>
-            <a:xfrm flipH="false" flipV="false" rot="0">
+            <a:xfrm>
               <a:off x="0" y="0"/>
               <a:ext cx="3563953" cy="2494453"/>
             </a:xfrm>
@@ -3314,9 +3327,9 @@
               <a:gdLst/>
               <a:ahLst/>
               <a:cxnLst/>
-              <a:rect r="r" b="b" t="t" l="l"/>
+              <a:rect l="l" t="t" r="r" b="b"/>
               <a:pathLst>
-                <a:path h="2494453" w="3563953">
+                <a:path w="3563953" h="2494453">
                   <a:moveTo>
                     <a:pt x="15570" y="0"/>
                   </a:moveTo>
@@ -3376,11 +3389,18 @@
               <a:miter/>
             </a:ln>
           </p:spPr>
+          <p:txBody>
+            <a:bodyPr/>
+            <a:lstStyle/>
+            <a:p>
+              <a:endParaRPr lang="es-HN" dirty="0"/>
+            </a:p>
+          </p:txBody>
         </p:sp>
         <p:sp>
           <p:nvSpPr>
-            <p:cNvPr name="TextBox 9" id="9"/>
-            <p:cNvSpPr txBox="true"/>
+            <p:cNvPr id="9" name="TextBox 9"/>
+            <p:cNvSpPr txBox="1"/>
             <p:nvPr/>
           </p:nvSpPr>
           <p:spPr>
@@ -3393,7 +3413,7 @@
             </a:prstGeom>
           </p:spPr>
           <p:txBody>
-            <a:bodyPr anchor="ctr" rtlCol="false" tIns="50800" lIns="50800" bIns="50800" rIns="50800"/>
+            <a:bodyPr lIns="50800" tIns="50800" rIns="50800" bIns="50800" rtlCol="0" anchor="ctr"/>
             <a:lstStyle/>
             <a:p>
               <a:pPr algn="ctr">
@@ -3401,32 +3421,33 @@
                   <a:spcPts val="1960"/>
                 </a:lnSpc>
               </a:pPr>
+              <a:endParaRPr/>
             </a:p>
           </p:txBody>
         </p:sp>
       </p:grpSp>
       <p:sp>
         <p:nvSpPr>
-          <p:cNvPr name="TextBox 10" id="10"/>
-          <p:cNvSpPr txBox="true"/>
+          <p:cNvPr id="10" name="TextBox 10"/>
+          <p:cNvSpPr txBox="1"/>
           <p:nvPr/>
         </p:nvSpPr>
         <p:spPr>
-          <a:xfrm rot="0">
-            <a:off x="3150676" y="1971333"/>
-            <a:ext cx="4390648" cy="537844"/>
+          <a:xfrm>
+            <a:off x="3150675" y="2213655"/>
+            <a:ext cx="4390648" cy="546496"/>
           </a:xfrm>
           <a:prstGeom prst="rect">
             <a:avLst/>
           </a:prstGeom>
         </p:spPr>
         <p:txBody>
-          <a:bodyPr anchor="t" rtlCol="false" tIns="0" lIns="0" bIns="0" rIns="0">
+          <a:bodyPr lIns="0" tIns="0" rIns="0" bIns="0" rtlCol="0" anchor="t">
             <a:spAutoFit/>
           </a:bodyPr>
           <a:lstStyle/>
           <a:p>
-            <a:pPr algn="ctr" marL="0" indent="0" lvl="0">
+            <a:pPr marL="0" lvl="0" indent="0" algn="ctr">
               <a:lnSpc>
                 <a:spcPts val="4480"/>
               </a:lnSpc>
@@ -3435,13 +3456,13 @@
               </a:spcBef>
             </a:pPr>
             <a:r>
-              <a:rPr lang="en-US" b="true" sz="3200">
+              <a:rPr lang="en-US" sz="3200" b="1" dirty="0">
                 <a:solidFill>
                   <a:srgbClr val="000000"/>
                 </a:solidFill>
-                <a:latin typeface="Montnapha Bold"/>
-                <a:ea typeface="Montnapha Bold"/>
-                <a:cs typeface="Montnapha Bold"/>
+                <a:latin typeface="Aptos ExtraBold" panose="020B0004020202020204" pitchFamily="34" charset="0"/>
+                <a:ea typeface="ADLaM Display" panose="02010000000000000000" pitchFamily="2" charset="0"/>
+                <a:cs typeface="ADLaM Display" panose="02010000000000000000" pitchFamily="2" charset="0"/>
                 <a:sym typeface="Montnapha Bold"/>
               </a:rPr>
               <a:t>MICROCREDENCIAL</a:t>
@@ -3451,21 +3472,21 @@
       </p:sp>
       <p:sp>
         <p:nvSpPr>
-          <p:cNvPr name="TextBox 11" id="11"/>
-          <p:cNvSpPr txBox="true"/>
+          <p:cNvPr id="11" name="TextBox 11"/>
+          <p:cNvSpPr txBox="1"/>
           <p:nvPr/>
         </p:nvSpPr>
         <p:spPr>
-          <a:xfrm rot="0">
-            <a:off x="2309406" y="1536113"/>
-            <a:ext cx="6073187" cy="540385"/>
+          <a:xfrm>
+            <a:off x="2309406" y="1644650"/>
+            <a:ext cx="6073187" cy="547842"/>
           </a:xfrm>
           <a:prstGeom prst="rect">
             <a:avLst/>
           </a:prstGeom>
         </p:spPr>
         <p:txBody>
-          <a:bodyPr anchor="t" rtlCol="false" tIns="0" lIns="0" bIns="0" rIns="0">
+          <a:bodyPr lIns="0" tIns="0" rIns="0" bIns="0" rtlCol="0" anchor="t">
             <a:spAutoFit/>
           </a:bodyPr>
           <a:lstStyle/>
@@ -3476,28 +3497,16 @@
               </a:lnSpc>
             </a:pPr>
             <a:r>
-              <a:rPr lang="en-US" sz="1599" spc="51">
+              <a:rPr lang="en-US" sz="1599" spc="51" dirty="0">
                 <a:solidFill>
                   <a:srgbClr val="000000"/>
                 </a:solidFill>
-                <a:latin typeface="Asangha"/>
+                <a:latin typeface="Aptos Display" panose="020B0004020202020204" pitchFamily="34" charset="0"/>
                 <a:ea typeface="Asangha"/>
-                <a:cs typeface="Asangha"/>
+                <a:cs typeface="Aptos Serif" panose="02020604070405020304" pitchFamily="18" charset="0"/>
                 <a:sym typeface="Asangha"/>
               </a:rPr>
-              <a:t>La Un</a:t>
-            </a:r>
-            <a:r>
-              <a:rPr lang="en-US" sz="1599" spc="51">
-                <a:solidFill>
-                  <a:srgbClr val="000000"/>
-                </a:solidFill>
-                <a:latin typeface="Asangha"/>
-                <a:ea typeface="Asangha"/>
-                <a:cs typeface="Asangha"/>
-                <a:sym typeface="Asangha"/>
-              </a:rPr>
-              <a:t>iversidad Nacional Autónoma de Honduras</a:t>
+              <a:t>La Universidad Nacional Autónoma de Honduras</a:t>
             </a:r>
           </a:p>
           <a:p>
@@ -3507,37 +3516,70 @@
               </a:lnSpc>
             </a:pPr>
             <a:r>
-              <a:rPr lang="en-US" sz="1599" spc="51">
+              <a:rPr lang="en-US" sz="1599" spc="51" dirty="0" err="1">
                 <a:solidFill>
                   <a:srgbClr val="000000"/>
                 </a:solidFill>
-                <a:latin typeface="Asangha"/>
+                <a:latin typeface="Aptos Display" panose="020B0004020202020204" pitchFamily="34" charset="0"/>
                 <a:ea typeface="Asangha"/>
-                <a:cs typeface="Asangha"/>
+                <a:cs typeface="Aptos Serif" panose="02020604070405020304" pitchFamily="18" charset="0"/>
                 <a:sym typeface="Asangha"/>
               </a:rPr>
-              <a:t>Otorga la presente</a:t>
-            </a:r>
-          </a:p>
-        </p:txBody>
-      </p:sp>
-      <p:sp>
-        <p:nvSpPr>
-          <p:cNvPr name="TextBox 12" id="12"/>
-          <p:cNvSpPr txBox="true"/>
+              <a:t>Otorga</a:t>
+            </a:r>
+            <a:r>
+              <a:rPr lang="en-US" sz="1599" spc="51" dirty="0">
+                <a:solidFill>
+                  <a:srgbClr val="000000"/>
+                </a:solidFill>
+                <a:latin typeface="Aptos Display" panose="020B0004020202020204" pitchFamily="34" charset="0"/>
+                <a:ea typeface="Asangha"/>
+                <a:cs typeface="Aptos Serif" panose="02020604070405020304" pitchFamily="18" charset="0"/>
+                <a:sym typeface="Asangha"/>
+              </a:rPr>
+              <a:t> la </a:t>
+            </a:r>
+            <a:r>
+              <a:rPr lang="en-US" sz="1599" spc="51" dirty="0" err="1">
+                <a:solidFill>
+                  <a:srgbClr val="000000"/>
+                </a:solidFill>
+                <a:latin typeface="Aptos Display" panose="020B0004020202020204" pitchFamily="34" charset="0"/>
+                <a:ea typeface="Asangha"/>
+                <a:cs typeface="Aptos Serif" panose="02020604070405020304" pitchFamily="18" charset="0"/>
+                <a:sym typeface="Asangha"/>
+              </a:rPr>
+              <a:t>presente</a:t>
+            </a:r>
+            <a:endParaRPr lang="en-US" sz="1599" spc="51" dirty="0">
+              <a:solidFill>
+                <a:srgbClr val="000000"/>
+              </a:solidFill>
+              <a:latin typeface="Aptos Display" panose="020B0004020202020204" pitchFamily="34" charset="0"/>
+              <a:ea typeface="Asangha"/>
+              <a:cs typeface="Aptos Serif" panose="02020604070405020304" pitchFamily="18" charset="0"/>
+              <a:sym typeface="Asangha"/>
+            </a:endParaRPr>
+          </a:p>
+        </p:txBody>
+      </p:sp>
+      <p:sp>
+        <p:nvSpPr>
+          <p:cNvPr id="12" name="TextBox 12"/>
+          <p:cNvSpPr txBox="1"/>
           <p:nvPr/>
         </p:nvSpPr>
         <p:spPr>
-          <a:xfrm rot="0">
-            <a:off x="810902" y="3571886"/>
-            <a:ext cx="9051802" cy="1132713"/>
+          <a:xfrm>
+            <a:off x="810902" y="3759829"/>
+            <a:ext cx="9051802" cy="1313821"/>
           </a:xfrm>
           <a:prstGeom prst="rect">
             <a:avLst/>
           </a:prstGeom>
         </p:spPr>
         <p:txBody>
-          <a:bodyPr anchor="t" rtlCol="false" tIns="0" lIns="0" bIns="0" rIns="0">
+          <a:bodyPr lIns="0" tIns="0" rIns="0" bIns="0" rtlCol="0" anchor="t">
             <a:spAutoFit/>
           </a:bodyPr>
           <a:lstStyle/>
@@ -3548,159 +3590,211 @@
               </a:lnSpc>
             </a:pPr>
             <a:r>
-              <a:rPr lang="en-US" sz="1520" spc="16">
+              <a:rPr lang="en-US" sz="1520" spc="16" dirty="0">
                 <a:solidFill>
                   <a:srgbClr val="000000"/>
                 </a:solidFill>
-                <a:latin typeface="Asangha"/>
+                <a:latin typeface="Aptos Display" panose="020B0004020202020204" pitchFamily="34" charset="0"/>
                 <a:ea typeface="Asangha"/>
-                <a:cs typeface="Asangha"/>
+                <a:cs typeface="Aptos Serif" panose="02020604070405020304" pitchFamily="18" charset="0"/>
                 <a:sym typeface="Asangha"/>
               </a:rPr>
               <a:t>Po</a:t>
             </a:r>
             <a:r>
-              <a:rPr lang="en-US" sz="1520" spc="16" strike="noStrike" u="none">
+              <a:rPr lang="en-US" sz="1520" u="none" strike="noStrike" spc="16" dirty="0">
                 <a:solidFill>
                   <a:srgbClr val="000000"/>
                 </a:solidFill>
-                <a:latin typeface="Asangha"/>
+                <a:latin typeface="Aptos Display" panose="020B0004020202020204" pitchFamily="34" charset="0"/>
                 <a:ea typeface="Asangha"/>
-                <a:cs typeface="Asangha"/>
+                <a:cs typeface="Aptos Serif" panose="02020604070405020304" pitchFamily="18" charset="0"/>
                 <a:sym typeface="Asangha"/>
               </a:rPr>
-              <a:t>see conocimientos y competencias básicas para                                                             al aprobar el        </a:t>
+              <a:t>see conocimientos y competencias básicas para producir alimentos inocuos al aprobar el        </a:t>
             </a:r>
           </a:p>
           <a:p>
             <a:pPr algn="ctr">
               <a:lnSpc>
-                <a:spcPts val="2280"/>
+                <a:spcPct val="150000"/>
               </a:lnSpc>
             </a:pPr>
+            <a:r>
+              <a:rPr lang="en-US" sz="1520" b="1" spc="16" dirty="0">
+                <a:solidFill>
+                  <a:srgbClr val="000000"/>
+                </a:solidFill>
+                <a:latin typeface="Aptos Display" panose="020B0004020202020204" pitchFamily="34" charset="0"/>
+                <a:ea typeface="Asangha"/>
+                <a:cs typeface="Aptos Serif" panose="02020604070405020304" pitchFamily="18" charset="0"/>
+                <a:sym typeface="Asangha"/>
+              </a:rPr>
+              <a:t>CURSO DE PRODUCCI</a:t>
+            </a:r>
+            <a:r>
+              <a:rPr lang="es-HN" sz="1520" b="1" spc="16" dirty="0">
+                <a:solidFill>
+                  <a:srgbClr val="000000"/>
+                </a:solidFill>
+                <a:latin typeface="Aptos Display" panose="020B0004020202020204" pitchFamily="34" charset="0"/>
+                <a:ea typeface="Asangha"/>
+                <a:cs typeface="Aptos Serif" panose="02020604070405020304" pitchFamily="18" charset="0"/>
+                <a:sym typeface="Asangha"/>
+              </a:rPr>
+              <a:t>ÓN DE ALIMENTOS INOCUOS</a:t>
+            </a:r>
+            <a:endParaRPr lang="en-US" sz="1520" b="1" u="none" strike="noStrike" spc="16" dirty="0">
+              <a:solidFill>
+                <a:srgbClr val="000000"/>
+              </a:solidFill>
+              <a:latin typeface="Aptos Display" panose="020B0004020202020204" pitchFamily="34" charset="0"/>
+              <a:ea typeface="Asangha"/>
+              <a:cs typeface="Aptos Serif" panose="02020604070405020304" pitchFamily="18" charset="0"/>
+              <a:sym typeface="Asangha"/>
+            </a:endParaRPr>
           </a:p>
           <a:p>
             <a:pPr algn="just">
               <a:lnSpc>
-                <a:spcPts val="2280"/>
+                <a:spcPct val="150000"/>
               </a:lnSpc>
             </a:pPr>
             <a:r>
-              <a:rPr lang="en-US" sz="1520" spc="16" strike="noStrike" u="none">
+              <a:rPr lang="en-US" sz="1520" u="none" strike="noStrike" spc="16" dirty="0">
                 <a:solidFill>
                   <a:srgbClr val="000000"/>
                 </a:solidFill>
-                <a:latin typeface="Asangha"/>
+                <a:latin typeface="Aptos Display" panose="020B0004020202020204" pitchFamily="34" charset="0"/>
                 <a:ea typeface="Asangha"/>
-                <a:cs typeface="Asangha"/>
+                <a:cs typeface="Aptos Serif" panose="02020604070405020304" pitchFamily="18" charset="0"/>
                 <a:sym typeface="Asangha"/>
               </a:rPr>
               <a:t>Impartido por la</a:t>
             </a:r>
             <a:r>
-              <a:rPr lang="en-US" b="true" sz="1520" spc="16" strike="noStrike" u="none">
+              <a:rPr lang="en-US" sz="1520" b="1" u="none" strike="noStrike" spc="16" dirty="0">
                 <a:solidFill>
                   <a:srgbClr val="000000"/>
                 </a:solidFill>
-                <a:latin typeface="Asangha Bold"/>
+                <a:latin typeface="Aptos Display" panose="020B0004020202020204" pitchFamily="34" charset="0"/>
                 <a:ea typeface="Asangha Bold"/>
-                <a:cs typeface="Asangha Bold"/>
+                <a:cs typeface="Aptos Serif" panose="02020604070405020304" pitchFamily="18" charset="0"/>
                 <a:sym typeface="Asangha Bold"/>
               </a:rPr>
               <a:t> Facultad de Ingeniería</a:t>
             </a:r>
             <a:r>
-              <a:rPr lang="en-US" sz="1520" spc="16" strike="noStrike" u="none">
+              <a:rPr lang="en-US" sz="1520" u="none" strike="noStrike" spc="16" dirty="0">
                 <a:solidFill>
                   <a:srgbClr val="000000"/>
                 </a:solidFill>
-                <a:latin typeface="Asangha"/>
+                <a:latin typeface="Aptos Display" panose="020B0004020202020204" pitchFamily="34" charset="0"/>
                 <a:ea typeface="Asangha"/>
-                <a:cs typeface="Asangha"/>
+                <a:cs typeface="Aptos Serif" panose="02020604070405020304" pitchFamily="18" charset="0"/>
                 <a:sym typeface="Asangha"/>
               </a:rPr>
-              <a:t>, a través del                                                                </a:t>
-            </a:r>
-            <a:r>
-              <a:rPr lang="en-US" b="true" sz="1520" spc="16" strike="noStrike" u="none">
+              <a:t>, a través del </a:t>
+            </a:r>
+            <a:r>
+              <a:rPr lang="en-US" sz="1520" b="1" u="none" strike="noStrike" spc="16" dirty="0">
                 <a:solidFill>
                   <a:srgbClr val="000000"/>
                 </a:solidFill>
-                <a:latin typeface="Asangha Bold"/>
+                <a:latin typeface="Aptos Display" panose="020B0004020202020204" pitchFamily="34" charset="0"/>
+                <a:ea typeface="Asangha"/>
+                <a:cs typeface="Aptos Serif" panose="02020604070405020304" pitchFamily="18" charset="0"/>
+                <a:sym typeface="Asangha"/>
+              </a:rPr>
+              <a:t>Departamento de Ingeniería Química                   </a:t>
+            </a:r>
+            <a:r>
+              <a:rPr lang="en-US" sz="1520" u="none" strike="noStrike" spc="16" dirty="0">
+                <a:solidFill>
+                  <a:srgbClr val="000000"/>
+                </a:solidFill>
+                <a:latin typeface="Aptos Display" panose="020B0004020202020204" pitchFamily="34" charset="0"/>
+                <a:ea typeface="Asangha"/>
+                <a:cs typeface="Aptos Serif" panose="02020604070405020304" pitchFamily="18" charset="0"/>
+                <a:sym typeface="Asangha"/>
+              </a:rPr>
+              <a:t>y la</a:t>
+            </a:r>
+            <a:r>
+              <a:rPr lang="en-US" sz="1520" b="1" u="none" strike="noStrike" spc="16" dirty="0">
+                <a:solidFill>
+                  <a:srgbClr val="000000"/>
+                </a:solidFill>
+                <a:latin typeface="Aptos Display" panose="020B0004020202020204" pitchFamily="34" charset="0"/>
                 <a:ea typeface="Asangha Bold"/>
-                <a:cs typeface="Asangha Bold"/>
+                <a:cs typeface="Aptos Serif" panose="02020604070405020304" pitchFamily="18" charset="0"/>
                 <a:sym typeface="Asangha Bold"/>
               </a:rPr>
               <a:t> </a:t>
             </a:r>
-            <a:r>
-              <a:rPr lang="en-US" sz="1520" spc="16" strike="noStrike" u="none">
+          </a:p>
+          <a:p>
+            <a:pPr algn="just">
+              <a:lnSpc>
+                <a:spcPct val="150000"/>
+              </a:lnSpc>
+            </a:pPr>
+            <a:r>
+              <a:rPr lang="en-US" sz="1520" b="1" u="none" strike="noStrike" spc="16" dirty="0">
                 <a:solidFill>
                   <a:srgbClr val="000000"/>
                 </a:solidFill>
-                <a:latin typeface="Asangha"/>
-                <a:ea typeface="Asangha"/>
-                <a:cs typeface="Asangha"/>
-                <a:sym typeface="Asangha"/>
-              </a:rPr>
-              <a:t> y la</a:t>
-            </a:r>
-            <a:r>
-              <a:rPr lang="en-US" b="true" sz="1520" spc="16" strike="noStrike" u="none">
-                <a:solidFill>
-                  <a:srgbClr val="000000"/>
-                </a:solidFill>
-                <a:latin typeface="Asangha Bold"/>
+                <a:latin typeface="Aptos Display" panose="020B0004020202020204" pitchFamily="34" charset="0"/>
                 <a:ea typeface="Asangha Bold"/>
-                <a:cs typeface="Asangha Bold"/>
+                <a:cs typeface="Aptos Serif" panose="02020604070405020304" pitchFamily="18" charset="0"/>
                 <a:sym typeface="Asangha Bold"/>
               </a:rPr>
-              <a:t> Coordinación de Vinculación</a:t>
-            </a:r>
-            <a:r>
-              <a:rPr lang="en-US" sz="1520" spc="16" strike="noStrike" u="none">
+              <a:t>Coordinación de Vinculación</a:t>
+            </a:r>
+            <a:r>
+              <a:rPr lang="en-US" sz="1520" u="none" strike="noStrike" spc="16" dirty="0">
                 <a:solidFill>
                   <a:srgbClr val="000000"/>
                 </a:solidFill>
-                <a:latin typeface="Asangha"/>
+                <a:latin typeface="Aptos Display" panose="020B0004020202020204" pitchFamily="34" charset="0"/>
                 <a:ea typeface="Asangha"/>
-                <a:cs typeface="Asangha"/>
+                <a:cs typeface="Aptos Serif" panose="02020604070405020304" pitchFamily="18" charset="0"/>
                 <a:sym typeface="Asangha"/>
               </a:rPr>
               <a:t>, con una duración de                    </a:t>
             </a:r>
             <a:r>
-              <a:rPr lang="en-US" b="true" sz="1520" spc="16" strike="noStrike" u="none">
+              <a:rPr lang="en-US" sz="1520" b="1" u="none" strike="noStrike" spc="16" dirty="0">
                 <a:solidFill>
                   <a:srgbClr val="000000"/>
                 </a:solidFill>
-                <a:latin typeface="Asangha Bold"/>
+                <a:latin typeface="Aptos Display" panose="020B0004020202020204" pitchFamily="34" charset="0"/>
                 <a:ea typeface="Asangha Bold"/>
-                <a:cs typeface="Asangha Bold"/>
+                <a:cs typeface="Aptos Serif" panose="02020604070405020304" pitchFamily="18" charset="0"/>
                 <a:sym typeface="Asangha Bold"/>
               </a:rPr>
               <a:t> </a:t>
             </a:r>
             <a:r>
-              <a:rPr lang="en-US" sz="1520" spc="16" strike="noStrike" u="none">
+              <a:rPr lang="en-US" sz="1520" u="none" strike="noStrike" spc="16" dirty="0">
                 <a:solidFill>
                   <a:srgbClr val="000000"/>
                 </a:solidFill>
-                <a:latin typeface="Asangha"/>
+                <a:latin typeface="Aptos Display" panose="020B0004020202020204" pitchFamily="34" charset="0"/>
                 <a:ea typeface="Asangha"/>
-                <a:cs typeface="Asangha"/>
+                <a:cs typeface="Aptos Serif" panose="02020604070405020304" pitchFamily="18" charset="0"/>
                 <a:sym typeface="Asangha"/>
               </a:rPr>
               <a:t> y la </a:t>
             </a:r>
             <a:r>
-              <a:rPr lang="en-US" b="true" sz="1520" spc="16" strike="noStrike" u="none">
+              <a:rPr lang="en-US" sz="1520" b="1" u="none" strike="noStrike" spc="16" dirty="0">
                 <a:solidFill>
                   <a:srgbClr val="000000"/>
                 </a:solidFill>
-                <a:latin typeface="Asangha Bold"/>
+                <a:latin typeface="Aptos Display" panose="020B0004020202020204" pitchFamily="34" charset="0"/>
                 <a:ea typeface="Asangha Bold"/>
-                <a:cs typeface="Asangha Bold"/>
+                <a:cs typeface="Aptos Serif" panose="02020604070405020304" pitchFamily="18" charset="0"/>
                 <a:sym typeface="Asangha Bold"/>
               </a:rPr>
               <a:t>elaboración exitosa del proyecto final.</a:t>
@@ -3710,13 +3804,13 @@
       </p:sp>
       <p:sp>
         <p:nvSpPr>
-          <p:cNvPr name="Freeform 13" id="13"/>
+          <p:cNvPr id="13" name="Freeform 13"/>
           <p:cNvSpPr/>
           <p:nvPr/>
         </p:nvSpPr>
         <p:spPr>
-          <a:xfrm flipH="false" flipV="false" rot="0">
-            <a:off x="5036282" y="527409"/>
+          <a:xfrm>
+            <a:off x="5036281" y="559001"/>
             <a:ext cx="601042" cy="903930"/>
           </a:xfrm>
           <a:custGeom>
@@ -3724,9 +3818,9 @@
             <a:gdLst/>
             <a:ahLst/>
             <a:cxnLst/>
-            <a:rect r="r" b="b" t="t" l="l"/>
+            <a:rect l="l" t="t" r="r" b="b"/>
             <a:pathLst>
-              <a:path h="903930" w="601042">
+              <a:path w="601042" h="903930">
                 <a:moveTo>
                   <a:pt x="0" y="0"/>
                 </a:moveTo>
@@ -3749,20 +3843,27 @@
           <a:blipFill>
             <a:blip r:embed="rId4"/>
             <a:stretch>
-              <a:fillRect l="0" t="0" r="0" b="0"/>
+              <a:fillRect/>
             </a:stretch>
           </a:blipFill>
         </p:spPr>
-      </p:sp>
-      <p:sp>
-        <p:nvSpPr>
-          <p:cNvPr name="Freeform 14" id="14"/>
+        <p:txBody>
+          <a:bodyPr/>
+          <a:lstStyle/>
+          <a:p>
+            <a:endParaRPr lang="es-HN" dirty="0"/>
+          </a:p>
+        </p:txBody>
+      </p:sp>
+      <p:sp>
+        <p:nvSpPr>
+          <p:cNvPr id="14" name="Freeform 14"/>
           <p:cNvSpPr/>
           <p:nvPr/>
         </p:nvSpPr>
         <p:spPr>
-          <a:xfrm flipH="false" flipV="false" rot="0">
-            <a:off x="9018699" y="527409"/>
+          <a:xfrm>
+            <a:off x="9018698" y="587223"/>
             <a:ext cx="917343" cy="903930"/>
           </a:xfrm>
           <a:custGeom>
@@ -3770,9 +3871,9 @@
             <a:gdLst/>
             <a:ahLst/>
             <a:cxnLst/>
-            <a:rect r="r" b="b" t="t" l="l"/>
+            <a:rect l="l" t="t" r="r" b="b"/>
             <a:pathLst>
-              <a:path h="903930" w="917343">
+              <a:path w="917343" h="903930">
                 <a:moveTo>
                   <a:pt x="0" y="0"/>
                 </a:moveTo>
@@ -3799,24 +3900,32 @@
             </a:stretch>
           </a:blipFill>
         </p:spPr>
-      </p:sp>
-      <p:sp>
-        <p:nvSpPr>
-          <p:cNvPr name="TextBox 15" id="15"/>
-          <p:cNvSpPr txBox="true"/>
+        <p:txBody>
+          <a:bodyPr/>
+          <a:lstStyle/>
+          <a:p>
+            <a:pPr algn="r"/>
+            <a:endParaRPr lang="es-HN" dirty="0"/>
+          </a:p>
+        </p:txBody>
+      </p:sp>
+      <p:sp>
+        <p:nvSpPr>
+          <p:cNvPr id="15" name="TextBox 15"/>
+          <p:cNvSpPr txBox="1"/>
           <p:nvPr/>
         </p:nvSpPr>
         <p:spPr>
-          <a:xfrm rot="0">
-            <a:off x="2300209" y="2407845"/>
-            <a:ext cx="6073187" cy="264160"/>
+          <a:xfrm>
+            <a:off x="2300209" y="2711450"/>
+            <a:ext cx="6073187" cy="268407"/>
           </a:xfrm>
           <a:prstGeom prst="rect">
             <a:avLst/>
           </a:prstGeom>
         </p:spPr>
         <p:txBody>
-          <a:bodyPr anchor="t" rtlCol="false" tIns="0" lIns="0" bIns="0" rIns="0">
+          <a:bodyPr lIns="0" tIns="0" rIns="0" bIns="0" rtlCol="0" anchor="t">
             <a:spAutoFit/>
           </a:bodyPr>
           <a:lstStyle/>
@@ -3827,52 +3936,83 @@
               </a:lnSpc>
             </a:pPr>
             <a:r>
-              <a:rPr lang="en-US" sz="1599" spc="51">
+              <a:rPr lang="en-US" sz="1599" spc="51" dirty="0">
                 <a:solidFill>
                   <a:srgbClr val="000000"/>
                 </a:solidFill>
-                <a:latin typeface="Asangha"/>
+                <a:latin typeface="Aptos Display" panose="020B0004020202020204" pitchFamily="34" charset="0"/>
                 <a:ea typeface="Asangha"/>
-                <a:cs typeface="Asangha"/>
+                <a:cs typeface="Aptos Serif" panose="02020604070405020304" pitchFamily="18" charset="0"/>
                 <a:sym typeface="Asangha"/>
               </a:rPr>
-              <a:t>que acredita que:</a:t>
-            </a:r>
-          </a:p>
-        </p:txBody>
-      </p:sp>
-      <p:sp>
-        <p:nvSpPr>
-          <p:cNvPr name="AutoShape 16" id="16"/>
+              <a:t>que </a:t>
+            </a:r>
+            <a:r>
+              <a:rPr lang="en-US" sz="1599" spc="51" dirty="0" err="1">
+                <a:solidFill>
+                  <a:srgbClr val="000000"/>
+                </a:solidFill>
+                <a:latin typeface="Aptos Display" panose="020B0004020202020204" pitchFamily="34" charset="0"/>
+                <a:ea typeface="Asangha"/>
+                <a:cs typeface="Aptos Serif" panose="02020604070405020304" pitchFamily="18" charset="0"/>
+                <a:sym typeface="Asangha"/>
+              </a:rPr>
+              <a:t>acredita</a:t>
+            </a:r>
+            <a:r>
+              <a:rPr lang="en-US" sz="1599" spc="51" dirty="0">
+                <a:solidFill>
+                  <a:srgbClr val="000000"/>
+                </a:solidFill>
+                <a:latin typeface="Aptos Display" panose="020B0004020202020204" pitchFamily="34" charset="0"/>
+                <a:ea typeface="Asangha"/>
+                <a:cs typeface="Aptos Serif" panose="02020604070405020304" pitchFamily="18" charset="0"/>
+                <a:sym typeface="Asangha"/>
+              </a:rPr>
+              <a:t> que:</a:t>
+            </a:r>
+          </a:p>
+        </p:txBody>
+      </p:sp>
+      <p:sp>
+        <p:nvSpPr>
+          <p:cNvPr id="16" name="AutoShape 16"/>
           <p:cNvSpPr/>
           <p:nvPr/>
         </p:nvSpPr>
         <p:spPr>
           <a:xfrm>
-            <a:off x="1021904" y="3367303"/>
+            <a:off x="1021904" y="3549650"/>
             <a:ext cx="8648191" cy="0"/>
           </a:xfrm>
           <a:prstGeom prst="line">
             <a:avLst/>
           </a:prstGeom>
-          <a:ln cap="flat" w="28575">
+          <a:ln w="28575" cap="flat">
             <a:solidFill>
               <a:srgbClr val="309D42"/>
             </a:solidFill>
             <a:prstDash val="solid"/>
-            <a:headEnd type="none" len="sm" w="sm"/>
-            <a:tailEnd type="none" len="sm" w="sm"/>
+            <a:headEnd type="none" w="sm" len="sm"/>
+            <a:tailEnd type="none" w="sm" len="sm"/>
           </a:ln>
         </p:spPr>
-      </p:sp>
-      <p:sp>
-        <p:nvSpPr>
-          <p:cNvPr name="Freeform 17" id="17"/>
+        <p:txBody>
+          <a:bodyPr/>
+          <a:lstStyle/>
+          <a:p>
+            <a:endParaRPr lang="es-HN"/>
+          </a:p>
+        </p:txBody>
+      </p:sp>
+      <p:sp>
+        <p:nvSpPr>
+          <p:cNvPr id="17" name="Freeform 17"/>
           <p:cNvSpPr/>
           <p:nvPr/>
         </p:nvSpPr>
         <p:spPr>
-          <a:xfrm flipH="false" flipV="false" rot="5400000">
+          <a:xfrm rot="5400000">
             <a:off x="269765" y="6905708"/>
             <a:ext cx="288574" cy="14068"/>
           </a:xfrm>
@@ -3881,9 +4021,9 @@
             <a:gdLst/>
             <a:ahLst/>
             <a:cxnLst/>
-            <a:rect r="r" b="b" t="t" l="l"/>
+            <a:rect l="l" t="t" r="r" b="b"/>
             <a:pathLst>
-              <a:path h="14068" w="288574">
+              <a:path w="288574" h="14068">
                 <a:moveTo>
                   <a:pt x="0" y="0"/>
                 </a:moveTo>
@@ -3912,28 +4052,35 @@
               </a:extLst>
             </a:blip>
             <a:stretch>
-              <a:fillRect l="0" t="0" r="0" b="0"/>
+              <a:fillRect/>
             </a:stretch>
           </a:blipFill>
         </p:spPr>
-      </p:sp>
-      <p:sp>
-        <p:nvSpPr>
-          <p:cNvPr name="TextBox 18" id="18"/>
-          <p:cNvSpPr txBox="true"/>
+        <p:txBody>
+          <a:bodyPr/>
+          <a:lstStyle/>
+          <a:p>
+            <a:endParaRPr lang="es-HN"/>
+          </a:p>
+        </p:txBody>
+      </p:sp>
+      <p:sp>
+        <p:nvSpPr>
+          <p:cNvPr id="18" name="TextBox 18"/>
+          <p:cNvSpPr txBox="1"/>
           <p:nvPr/>
         </p:nvSpPr>
         <p:spPr>
-          <a:xfrm rot="0">
+          <a:xfrm>
             <a:off x="759936" y="6769386"/>
-            <a:ext cx="2113928" cy="317500"/>
+            <a:ext cx="2113928" cy="334066"/>
           </a:xfrm>
           <a:prstGeom prst="rect">
             <a:avLst/>
           </a:prstGeom>
         </p:spPr>
         <p:txBody>
-          <a:bodyPr anchor="t" rtlCol="false" tIns="0" lIns="0" bIns="0" rIns="0">
+          <a:bodyPr lIns="0" tIns="0" rIns="0" bIns="0" rtlCol="0" anchor="t">
             <a:spAutoFit/>
           </a:bodyPr>
           <a:lstStyle/>
@@ -3944,17 +4091,50 @@
               </a:lnSpc>
             </a:pPr>
             <a:r>
-              <a:rPr lang="en-US" sz="1250">
+              <a:rPr lang="en-US" sz="1250" dirty="0" err="1">
                 <a:solidFill>
                   <a:srgbClr val="000000"/>
                 </a:solidFill>
-                <a:latin typeface="Asangha"/>
+                <a:latin typeface="Aptos Display" panose="020B0004020202020204" pitchFamily="34" charset="0"/>
                 <a:ea typeface="Asangha"/>
-                <a:cs typeface="Asangha"/>
+                <a:cs typeface="Aptos Serif" panose="02020604070405020304" pitchFamily="18" charset="0"/>
                 <a:sym typeface="Asangha"/>
               </a:rPr>
-              <a:t>Coordinadora Académica</a:t>
-            </a:r>
+              <a:t>Coordinadora</a:t>
+            </a:r>
+            <a:r>
+              <a:rPr lang="en-US" sz="1250" dirty="0">
+                <a:solidFill>
+                  <a:srgbClr val="000000"/>
+                </a:solidFill>
+                <a:latin typeface="Aptos Display" panose="020B0004020202020204" pitchFamily="34" charset="0"/>
+                <a:ea typeface="Asangha"/>
+                <a:cs typeface="Aptos Serif" panose="02020604070405020304" pitchFamily="18" charset="0"/>
+                <a:sym typeface="Asangha"/>
+              </a:rPr>
+              <a:t> </a:t>
+            </a:r>
+            <a:r>
+              <a:rPr lang="en-US" sz="1250" dirty="0" err="1">
+                <a:solidFill>
+                  <a:srgbClr val="000000"/>
+                </a:solidFill>
+                <a:latin typeface="Aptos Display" panose="020B0004020202020204" pitchFamily="34" charset="0"/>
+                <a:ea typeface="Asangha"/>
+                <a:cs typeface="Aptos Serif" panose="02020604070405020304" pitchFamily="18" charset="0"/>
+                <a:sym typeface="Asangha"/>
+              </a:rPr>
+              <a:t>Académica</a:t>
+            </a:r>
+            <a:endParaRPr lang="en-US" sz="1250" dirty="0">
+              <a:solidFill>
+                <a:srgbClr val="000000"/>
+              </a:solidFill>
+              <a:latin typeface="Aptos Display" panose="020B0004020202020204" pitchFamily="34" charset="0"/>
+              <a:ea typeface="Asangha"/>
+              <a:cs typeface="Aptos Serif" panose="02020604070405020304" pitchFamily="18" charset="0"/>
+              <a:sym typeface="Asangha"/>
+            </a:endParaRPr>
           </a:p>
           <a:p>
             <a:pPr algn="ctr">
@@ -3963,28 +4143,40 @@
               </a:lnSpc>
             </a:pPr>
             <a:r>
-              <a:rPr lang="en-US" sz="1250">
+              <a:rPr lang="en-US" sz="1250" dirty="0" err="1">
                 <a:solidFill>
                   <a:srgbClr val="000000"/>
                 </a:solidFill>
-                <a:latin typeface="Asangha"/>
+                <a:latin typeface="Aptos Display" panose="020B0004020202020204" pitchFamily="34" charset="0"/>
                 <a:ea typeface="Asangha"/>
-                <a:cs typeface="Asangha"/>
+                <a:cs typeface="Aptos Serif" panose="02020604070405020304" pitchFamily="18" charset="0"/>
                 <a:sym typeface="Asangha"/>
               </a:rPr>
-              <a:t>Coordinadora de Vinculación </a:t>
-            </a:r>
-          </a:p>
-        </p:txBody>
-      </p:sp>
-      <p:sp>
-        <p:nvSpPr>
-          <p:cNvPr name="TextBox 19" id="19"/>
-          <p:cNvSpPr txBox="true"/>
+              <a:t>Coordinadora</a:t>
+            </a:r>
+            <a:r>
+              <a:rPr lang="en-US" sz="1250" dirty="0">
+                <a:solidFill>
+                  <a:srgbClr val="000000"/>
+                </a:solidFill>
+                <a:latin typeface="Aptos Display" panose="020B0004020202020204" pitchFamily="34" charset="0"/>
+                <a:ea typeface="Asangha"/>
+                <a:cs typeface="Aptos Serif" panose="02020604070405020304" pitchFamily="18" charset="0"/>
+                <a:sym typeface="Asangha"/>
+              </a:rPr>
+              <a:t> de Vinculación </a:t>
+            </a:r>
+          </a:p>
+        </p:txBody>
+      </p:sp>
+      <p:sp>
+        <p:nvSpPr>
+          <p:cNvPr id="19" name="TextBox 19"/>
+          <p:cNvSpPr txBox="1"/>
           <p:nvPr/>
         </p:nvSpPr>
         <p:spPr>
-          <a:xfrm rot="0">
+          <a:xfrm>
             <a:off x="592086" y="6473015"/>
             <a:ext cx="2449626" cy="261266"/>
           </a:xfrm>
@@ -3993,7 +4185,7 @@
           </a:prstGeom>
         </p:spPr>
         <p:txBody>
-          <a:bodyPr anchor="t" rtlCol="false" tIns="0" lIns="0" bIns="0" rIns="0">
+          <a:bodyPr lIns="0" tIns="0" rIns="0" bIns="0" rtlCol="0" anchor="t">
             <a:spAutoFit/>
           </a:bodyPr>
           <a:lstStyle/>
@@ -4004,101 +4196,146 @@
               </a:lnSpc>
             </a:pPr>
             <a:r>
-              <a:rPr lang="en-US" sz="1339">
+              <a:rPr lang="en-US" sz="1339" dirty="0">
                 <a:solidFill>
                   <a:srgbClr val="000000"/>
                 </a:solidFill>
-                <a:latin typeface="Asangha"/>
+                <a:latin typeface="Aptos Display" panose="020B0004020202020204" pitchFamily="34" charset="0"/>
                 <a:ea typeface="Asangha"/>
-                <a:cs typeface="Asangha"/>
+                <a:cs typeface="Aptos Serif" panose="02020604070405020304" pitchFamily="18" charset="0"/>
                 <a:sym typeface="Asangha"/>
               </a:rPr>
-              <a:t>MSc. Guadalupe Nuñez Salgado</a:t>
-            </a:r>
-          </a:p>
-        </p:txBody>
-      </p:sp>
-      <p:sp>
-        <p:nvSpPr>
-          <p:cNvPr name="AutoShape 20" id="20"/>
+              <a:t>MSc. Guadalupe </a:t>
+            </a:r>
+            <a:r>
+              <a:rPr lang="en-US" sz="1339" dirty="0" err="1">
+                <a:solidFill>
+                  <a:srgbClr val="000000"/>
+                </a:solidFill>
+                <a:latin typeface="Aptos Display" panose="020B0004020202020204" pitchFamily="34" charset="0"/>
+                <a:ea typeface="Asangha"/>
+                <a:cs typeface="Aptos Serif" panose="02020604070405020304" pitchFamily="18" charset="0"/>
+                <a:sym typeface="Asangha"/>
+              </a:rPr>
+              <a:t>Nuñez</a:t>
+            </a:r>
+            <a:r>
+              <a:rPr lang="en-US" sz="1339" dirty="0">
+                <a:solidFill>
+                  <a:srgbClr val="000000"/>
+                </a:solidFill>
+                <a:latin typeface="Aptos Display" panose="020B0004020202020204" pitchFamily="34" charset="0"/>
+                <a:ea typeface="Asangha"/>
+                <a:cs typeface="Aptos Serif" panose="02020604070405020304" pitchFamily="18" charset="0"/>
+                <a:sym typeface="Asangha"/>
+              </a:rPr>
+              <a:t> Salgado</a:t>
+            </a:r>
+          </a:p>
+        </p:txBody>
+      </p:sp>
+      <p:sp>
+        <p:nvSpPr>
+          <p:cNvPr id="20" name="AutoShape 20"/>
           <p:cNvSpPr/>
           <p:nvPr/>
         </p:nvSpPr>
         <p:spPr>
-          <a:xfrm flipV="true">
+          <a:xfrm flipV="1">
             <a:off x="592094" y="6414816"/>
             <a:ext cx="2768480" cy="4396"/>
           </a:xfrm>
           <a:prstGeom prst="line">
             <a:avLst/>
           </a:prstGeom>
-          <a:ln cap="flat" w="19050">
+          <a:ln w="19050" cap="flat">
             <a:solidFill>
               <a:srgbClr val="309D42"/>
             </a:solidFill>
             <a:prstDash val="solid"/>
-            <a:headEnd type="none" len="sm" w="sm"/>
-            <a:tailEnd type="none" len="sm" w="sm"/>
+            <a:headEnd type="none" w="sm" len="sm"/>
+            <a:tailEnd type="none" w="sm" len="sm"/>
           </a:ln>
         </p:spPr>
-      </p:sp>
-      <p:sp>
-        <p:nvSpPr>
-          <p:cNvPr name="AutoShape 21" id="21"/>
+        <p:txBody>
+          <a:bodyPr/>
+          <a:lstStyle/>
+          <a:p>
+            <a:endParaRPr lang="es-HN"/>
+          </a:p>
+        </p:txBody>
+      </p:sp>
+      <p:sp>
+        <p:nvSpPr>
+          <p:cNvPr id="21" name="AutoShape 21"/>
           <p:cNvSpPr/>
           <p:nvPr/>
         </p:nvSpPr>
         <p:spPr>
-          <a:xfrm flipV="true">
+          <a:xfrm flipV="1">
             <a:off x="3702907" y="6417014"/>
             <a:ext cx="2768480" cy="4396"/>
           </a:xfrm>
           <a:prstGeom prst="line">
             <a:avLst/>
           </a:prstGeom>
-          <a:ln cap="flat" w="19050">
+          <a:ln w="19050" cap="flat">
             <a:solidFill>
               <a:srgbClr val="309D42"/>
             </a:solidFill>
             <a:prstDash val="solid"/>
-            <a:headEnd type="none" len="sm" w="sm"/>
-            <a:tailEnd type="none" len="sm" w="sm"/>
+            <a:headEnd type="none" w="sm" len="sm"/>
+            <a:tailEnd type="none" w="sm" len="sm"/>
           </a:ln>
         </p:spPr>
-      </p:sp>
-      <p:sp>
-        <p:nvSpPr>
-          <p:cNvPr name="AutoShape 22" id="22"/>
+        <p:txBody>
+          <a:bodyPr/>
+          <a:lstStyle/>
+          <a:p>
+            <a:endParaRPr lang="es-HN"/>
+          </a:p>
+        </p:txBody>
+      </p:sp>
+      <p:sp>
+        <p:nvSpPr>
+          <p:cNvPr id="22" name="AutoShape 22"/>
           <p:cNvSpPr/>
           <p:nvPr/>
         </p:nvSpPr>
         <p:spPr>
-          <a:xfrm flipV="true">
+          <a:xfrm flipV="1">
             <a:off x="6973154" y="6403093"/>
             <a:ext cx="2768480" cy="4396"/>
           </a:xfrm>
           <a:prstGeom prst="line">
             <a:avLst/>
           </a:prstGeom>
-          <a:ln cap="flat" w="19050">
+          <a:ln w="19050" cap="flat">
             <a:solidFill>
               <a:srgbClr val="309D42"/>
             </a:solidFill>
             <a:prstDash val="solid"/>
-            <a:headEnd type="none" len="sm" w="sm"/>
-            <a:tailEnd type="none" len="sm" w="sm"/>
+            <a:headEnd type="none" w="sm" len="sm"/>
+            <a:tailEnd type="none" w="sm" len="sm"/>
           </a:ln>
         </p:spPr>
-      </p:sp>
-      <p:sp>
-        <p:nvSpPr>
-          <p:cNvPr name="TextBox 23" id="23"/>
-          <p:cNvSpPr txBox="true"/>
+        <p:txBody>
+          <a:bodyPr/>
+          <a:lstStyle/>
+          <a:p>
+            <a:endParaRPr lang="es-HN"/>
+          </a:p>
+        </p:txBody>
+      </p:sp>
+      <p:sp>
+        <p:nvSpPr>
+          <p:cNvPr id="23" name="TextBox 23"/>
+          <p:cNvSpPr txBox="1"/>
           <p:nvPr/>
         </p:nvSpPr>
         <p:spPr>
-          <a:xfrm rot="0">
-            <a:off x="1982159" y="4762130"/>
+          <a:xfrm>
+            <a:off x="1963634" y="5256886"/>
             <a:ext cx="6709289" cy="307391"/>
           </a:xfrm>
           <a:prstGeom prst="rect">
@@ -4106,12 +4343,12 @@
           </a:prstGeom>
         </p:spPr>
         <p:txBody>
-          <a:bodyPr anchor="t" rtlCol="false" tIns="0" lIns="0" bIns="0" rIns="0">
+          <a:bodyPr lIns="0" tIns="0" rIns="0" bIns="0" rtlCol="0" anchor="t">
             <a:spAutoFit/>
           </a:bodyPr>
           <a:lstStyle/>
           <a:p>
-            <a:pPr algn="ctr" marL="0" indent="0" lvl="0">
+            <a:pPr marL="0" lvl="0" indent="0" algn="ctr">
               <a:lnSpc>
                 <a:spcPts val="2553"/>
               </a:lnSpc>
@@ -4120,28 +4357,52 @@
               </a:spcBef>
             </a:pPr>
             <a:r>
-              <a:rPr lang="en-US" sz="1520">
+              <a:rPr lang="en-US" sz="1520" dirty="0">
                 <a:solidFill>
                   <a:srgbClr val="000000"/>
                 </a:solidFill>
-                <a:latin typeface="Asangha"/>
+                <a:latin typeface="Aptos Display" panose="020B0004020202020204" pitchFamily="34" charset="0"/>
                 <a:ea typeface="Asangha"/>
-                <a:cs typeface="Asangha"/>
+                <a:cs typeface="Aptos Serif" panose="02020604070405020304" pitchFamily="18" charset="0"/>
                 <a:sym typeface="Asangha"/>
               </a:rPr>
-              <a:t>Dado en Ciudad Universitaria, Tegucigalpa, MDC,                                                  </a:t>
-            </a:r>
-          </a:p>
-        </p:txBody>
-      </p:sp>
-      <p:sp>
-        <p:nvSpPr>
-          <p:cNvPr name="TextBox 24" id="24"/>
-          <p:cNvSpPr txBox="true"/>
+              <a:t>Dado en Ciudad </a:t>
+            </a:r>
+            <a:r>
+              <a:rPr lang="en-US" sz="1520" dirty="0" err="1">
+                <a:solidFill>
+                  <a:srgbClr val="000000"/>
+                </a:solidFill>
+                <a:latin typeface="Aptos Display" panose="020B0004020202020204" pitchFamily="34" charset="0"/>
+                <a:ea typeface="Asangha"/>
+                <a:cs typeface="Aptos Serif" panose="02020604070405020304" pitchFamily="18" charset="0"/>
+                <a:sym typeface="Asangha"/>
+              </a:rPr>
+              <a:t>Universitaria</a:t>
+            </a:r>
+            <a:r>
+              <a:rPr lang="en-US" sz="1520" dirty="0">
+                <a:solidFill>
+                  <a:srgbClr val="000000"/>
+                </a:solidFill>
+                <a:latin typeface="Aptos Display" panose="020B0004020202020204" pitchFamily="34" charset="0"/>
+                <a:ea typeface="Asangha"/>
+                <a:cs typeface="Aptos Serif" panose="02020604070405020304" pitchFamily="18" charset="0"/>
+                <a:sym typeface="Asangha"/>
+              </a:rPr>
+              <a:t>, Tegucigalpa, MDC,                                                  </a:t>
+            </a:r>
+          </a:p>
+        </p:txBody>
+      </p:sp>
+      <p:sp>
+        <p:nvSpPr>
+          <p:cNvPr id="24" name="TextBox 24"/>
+          <p:cNvSpPr txBox="1"/>
           <p:nvPr/>
         </p:nvSpPr>
         <p:spPr>
-          <a:xfrm rot="0">
+          <a:xfrm>
             <a:off x="7009154" y="4818523"/>
             <a:ext cx="6073187" cy="289560"/>
           </a:xfrm>
@@ -4150,7 +4411,7 @@
           </a:prstGeom>
         </p:spPr>
         <p:txBody>
-          <a:bodyPr anchor="t" rtlCol="false" tIns="0" lIns="0" bIns="0" rIns="0">
+          <a:bodyPr lIns="0" tIns="0" rIns="0" bIns="0" rtlCol="0" anchor="t">
             <a:spAutoFit/>
           </a:bodyPr>
           <a:lstStyle/>
@@ -4180,12 +4441,12 @@
       </p:sp>
       <p:sp>
         <p:nvSpPr>
-          <p:cNvPr name="TextBox 25" id="25"/>
-          <p:cNvSpPr txBox="true"/>
+          <p:cNvPr id="25" name="TextBox 25"/>
+          <p:cNvSpPr txBox="1"/>
           <p:nvPr/>
         </p:nvSpPr>
         <p:spPr>
-          <a:xfrm rot="0">
+          <a:xfrm>
             <a:off x="9172273" y="1529899"/>
             <a:ext cx="610195" cy="218694"/>
           </a:xfrm>
@@ -4194,7 +4455,7 @@
           </a:prstGeom>
         </p:spPr>
         <p:txBody>
-          <a:bodyPr anchor="t" rtlCol="false" tIns="0" lIns="0" bIns="0" rIns="0">
+          <a:bodyPr lIns="0" tIns="0" rIns="0" bIns="0" rtlCol="0" anchor="t">
             <a:spAutoFit/>
           </a:bodyPr>
           <a:lstStyle/>
@@ -4222,6 +4483,86 @@
           </a:p>
         </p:txBody>
       </p:sp>
+      <p:sp>
+        <p:nvSpPr>
+          <p:cNvPr id="28" name="TextBox 10">
+            <a:extLst>
+              <a:ext uri="{FF2B5EF4-FFF2-40B4-BE49-F238E27FC236}">
+                <a16:creationId xmlns:a16="http://schemas.microsoft.com/office/drawing/2014/main" id="{5B193DC0-E567-00C5-8F80-5F89744C9BA2}"/>
+              </a:ext>
+            </a:extLst>
+          </p:cNvPr>
+          <p:cNvSpPr txBox="1"/>
+          <p:nvPr/>
+        </p:nvSpPr>
+        <p:spPr>
+          <a:xfrm>
+            <a:off x="3141478" y="3016250"/>
+            <a:ext cx="4390648" cy="546496"/>
+          </a:xfrm>
+          <a:prstGeom prst="rect">
+            <a:avLst/>
+          </a:prstGeom>
+        </p:spPr>
+        <p:txBody>
+          <a:bodyPr lIns="0" tIns="0" rIns="0" bIns="0" rtlCol="0" anchor="t">
+            <a:spAutoFit/>
+          </a:bodyPr>
+          <a:lstStyle/>
+          <a:p>
+            <a:pPr marL="0" lvl="0" indent="0" algn="ctr">
+              <a:lnSpc>
+                <a:spcPts val="4480"/>
+              </a:lnSpc>
+              <a:spcBef>
+                <a:spcPct val="0"/>
+              </a:spcBef>
+            </a:pPr>
+            <a:r>
+              <a:rPr lang="en-US" sz="3200" b="1" dirty="0">
+                <a:solidFill>
+                  <a:srgbClr val="000000"/>
+                </a:solidFill>
+                <a:latin typeface="Aptos ExtraBold" panose="020B0004020202020204" pitchFamily="34" charset="0"/>
+                <a:ea typeface="ADLaM Display" panose="02010000000000000000" pitchFamily="2" charset="0"/>
+                <a:cs typeface="ADLaM Display" panose="02010000000000000000" pitchFamily="2" charset="0"/>
+                <a:sym typeface="Montnapha Bold"/>
+              </a:rPr>
+              <a:t>Kattherine Hernandez</a:t>
+            </a:r>
+          </a:p>
+        </p:txBody>
+      </p:sp>
+      <p:pic>
+        <p:nvPicPr>
+          <p:cNvPr id="29" name="Imagen 28">
+            <a:extLst>
+              <a:ext uri="{FF2B5EF4-FFF2-40B4-BE49-F238E27FC236}">
+                <a16:creationId xmlns:a16="http://schemas.microsoft.com/office/drawing/2014/main" id="{5F019295-8948-03DB-A3F7-98D75BEBD602}"/>
+              </a:ext>
+            </a:extLst>
+          </p:cNvPr>
+          <p:cNvPicPr>
+            <a:picLocks noChangeAspect="1"/>
+          </p:cNvPicPr>
+          <p:nvPr/>
+        </p:nvPicPr>
+        <p:blipFill>
+          <a:blip r:embed="rId8"/>
+          <a:stretch>
+            <a:fillRect/>
+          </a:stretch>
+        </p:blipFill>
+        <p:spPr>
+          <a:xfrm>
+            <a:off x="757359" y="587223"/>
+            <a:ext cx="920576" cy="908383"/>
+          </a:xfrm>
+          <a:prstGeom prst="rect">
+            <a:avLst/>
+          </a:prstGeom>
+        </p:spPr>
+      </p:pic>
     </p:spTree>
   </p:cSld>
   <p:clrMapOvr>
